--- a/TAIA - Image Classification.pptx
+++ b/TAIA - Image Classification.pptx
@@ -14,7 +14,9 @@
     <p:sldId id="262" r:id="rId8"/>
     <p:sldId id="263" r:id="rId9"/>
     <p:sldId id="258" r:id="rId10"/>
-    <p:sldId id="264" r:id="rId11"/>
+    <p:sldId id="268" r:id="rId11"/>
+    <p:sldId id="266" r:id="rId12"/>
+    <p:sldId id="264" r:id="rId13"/>
   </p:sldIdLst>
   <p:sldSz cx="12192000" cy="6858000"/>
   <p:notesSz cx="6858000" cy="9144000"/>
@@ -125,19 +127,19 @@
 <pc:chgInfo xmlns:a="http://schemas.openxmlformats.org/drawingml/2006/main" xmlns:r="http://schemas.openxmlformats.org/officeDocument/2006/relationships" xmlns:ac="http://schemas.microsoft.com/office/drawing/2013/main/command" xmlns:pc="http://schemas.microsoft.com/office/powerpoint/2013/main/command">
   <pc:docChgLst>
     <pc:chgData name="Lirielly Vitorugo (EXT-Nokia)" userId="0ad06dbe-3eb2-47ba-923d-c27c80e5608e" providerId="ADAL" clId="{D8D35370-7CB6-408E-980C-DD3EB34ADA6C}"/>
-    <pc:docChg chg="undo custSel addSld modSld">
-      <pc:chgData name="Lirielly Vitorugo (EXT-Nokia)" userId="0ad06dbe-3eb2-47ba-923d-c27c80e5608e" providerId="ADAL" clId="{D8D35370-7CB6-408E-980C-DD3EB34ADA6C}" dt="2022-12-10T10:50:21.680" v="354"/>
+    <pc:docChg chg="undo custSel addSld delSld modSld">
+      <pc:chgData name="Lirielly Vitorugo (EXT-Nokia)" userId="0ad06dbe-3eb2-47ba-923d-c27c80e5608e" providerId="ADAL" clId="{D8D35370-7CB6-408E-980C-DD3EB34ADA6C}" dt="2022-12-11T11:09:17.701" v="469"/>
       <pc:docMkLst>
         <pc:docMk/>
       </pc:docMkLst>
       <pc:sldChg chg="modSp mod">
-        <pc:chgData name="Lirielly Vitorugo (EXT-Nokia)" userId="0ad06dbe-3eb2-47ba-923d-c27c80e5608e" providerId="ADAL" clId="{D8D35370-7CB6-408E-980C-DD3EB34ADA6C}" dt="2022-12-10T10:40:42.613" v="340" actId="20577"/>
+        <pc:chgData name="Lirielly Vitorugo (EXT-Nokia)" userId="0ad06dbe-3eb2-47ba-923d-c27c80e5608e" providerId="ADAL" clId="{D8D35370-7CB6-408E-980C-DD3EB34ADA6C}" dt="2022-12-11T11:04:33.144" v="452" actId="20577"/>
         <pc:sldMkLst>
           <pc:docMk/>
           <pc:sldMk cId="3148323041" sldId="257"/>
         </pc:sldMkLst>
         <pc:spChg chg="mod">
-          <ac:chgData name="Lirielly Vitorugo (EXT-Nokia)" userId="0ad06dbe-3eb2-47ba-923d-c27c80e5608e" providerId="ADAL" clId="{D8D35370-7CB6-408E-980C-DD3EB34ADA6C}" dt="2022-12-10T10:40:42.613" v="340" actId="20577"/>
+          <ac:chgData name="Lirielly Vitorugo (EXT-Nokia)" userId="0ad06dbe-3eb2-47ba-923d-c27c80e5608e" providerId="ADAL" clId="{D8D35370-7CB6-408E-980C-DD3EB34ADA6C}" dt="2022-12-11T11:04:33.144" v="452" actId="20577"/>
           <ac:spMkLst>
             <pc:docMk/>
             <pc:sldMk cId="3148323041" sldId="257"/>
@@ -188,6 +190,21 @@
             <pc:docMk/>
             <pc:sldMk cId="1099327236" sldId="260"/>
             <ac:spMk id="12" creationId="{DF5296C5-23CD-45B4-93F5-3A735B7612A6}"/>
+          </ac:spMkLst>
+        </pc:spChg>
+      </pc:sldChg>
+      <pc:sldChg chg="modSp mod">
+        <pc:chgData name="Lirielly Vitorugo (EXT-Nokia)" userId="0ad06dbe-3eb2-47ba-923d-c27c80e5608e" providerId="ADAL" clId="{D8D35370-7CB6-408E-980C-DD3EB34ADA6C}" dt="2022-12-11T11:09:17.701" v="469"/>
+        <pc:sldMkLst>
+          <pc:docMk/>
+          <pc:sldMk cId="4267043542" sldId="264"/>
+        </pc:sldMkLst>
+        <pc:spChg chg="mod">
+          <ac:chgData name="Lirielly Vitorugo (EXT-Nokia)" userId="0ad06dbe-3eb2-47ba-923d-c27c80e5608e" providerId="ADAL" clId="{D8D35370-7CB6-408E-980C-DD3EB34ADA6C}" dt="2022-12-11T11:09:17.701" v="469"/>
+          <ac:spMkLst>
+            <pc:docMk/>
+            <pc:sldMk cId="4267043542" sldId="264"/>
+            <ac:spMk id="5" creationId="{DCA157B4-3B41-4484-AF6B-549D85A6F82B}"/>
           </ac:spMkLst>
         </pc:spChg>
       </pc:sldChg>
@@ -293,6 +310,99 @@
             <ac:cxnSpMk id="3" creationId="{80F43099-C411-4C4F-B11A-0F0EEDDAC176}"/>
           </ac:cxnSpMkLst>
         </pc:cxnChg>
+      </pc:sldChg>
+      <pc:sldChg chg="addSp delSp modSp add mod">
+        <pc:chgData name="Lirielly Vitorugo (EXT-Nokia)" userId="0ad06dbe-3eb2-47ba-923d-c27c80e5608e" providerId="ADAL" clId="{D8D35370-7CB6-408E-980C-DD3EB34ADA6C}" dt="2022-12-11T11:03:00.186" v="390" actId="20577"/>
+        <pc:sldMkLst>
+          <pc:docMk/>
+          <pc:sldMk cId="3821399187" sldId="266"/>
+        </pc:sldMkLst>
+        <pc:spChg chg="del mod">
+          <ac:chgData name="Lirielly Vitorugo (EXT-Nokia)" userId="0ad06dbe-3eb2-47ba-923d-c27c80e5608e" providerId="ADAL" clId="{D8D35370-7CB6-408E-980C-DD3EB34ADA6C}" dt="2022-12-11T11:02:46.530" v="383" actId="478"/>
+          <ac:spMkLst>
+            <pc:docMk/>
+            <pc:sldMk cId="3821399187" sldId="266"/>
+            <ac:spMk id="2" creationId="{63ADFB04-70A7-4B9C-BE4E-F9C0364EE3F6}"/>
+          </ac:spMkLst>
+        </pc:spChg>
+        <pc:spChg chg="add del mod">
+          <ac:chgData name="Lirielly Vitorugo (EXT-Nokia)" userId="0ad06dbe-3eb2-47ba-923d-c27c80e5608e" providerId="ADAL" clId="{D8D35370-7CB6-408E-980C-DD3EB34ADA6C}" dt="2022-12-11T11:01:31.827" v="360" actId="478"/>
+          <ac:spMkLst>
+            <pc:docMk/>
+            <pc:sldMk cId="3821399187" sldId="266"/>
+            <ac:spMk id="5" creationId="{028E7A44-909D-467B-9F51-7064599A5167}"/>
+          </ac:spMkLst>
+        </pc:spChg>
+        <pc:spChg chg="add del mod">
+          <ac:chgData name="Lirielly Vitorugo (EXT-Nokia)" userId="0ad06dbe-3eb2-47ba-923d-c27c80e5608e" providerId="ADAL" clId="{D8D35370-7CB6-408E-980C-DD3EB34ADA6C}" dt="2022-12-11T11:02:55.035" v="385" actId="478"/>
+          <ac:spMkLst>
+            <pc:docMk/>
+            <pc:sldMk cId="3821399187" sldId="266"/>
+            <ac:spMk id="8" creationId="{A20FA154-80FD-44F0-8DB4-5F01BE9ED910}"/>
+          </ac:spMkLst>
+        </pc:spChg>
+        <pc:spChg chg="add mod">
+          <ac:chgData name="Lirielly Vitorugo (EXT-Nokia)" userId="0ad06dbe-3eb2-47ba-923d-c27c80e5608e" providerId="ADAL" clId="{D8D35370-7CB6-408E-980C-DD3EB34ADA6C}" dt="2022-12-11T11:03:00.186" v="390" actId="20577"/>
+          <ac:spMkLst>
+            <pc:docMk/>
+            <pc:sldMk cId="3821399187" sldId="266"/>
+            <ac:spMk id="9" creationId="{35A9B43E-5B1A-49B8-ADEA-E184F77E51BF}"/>
+          </ac:spMkLst>
+        </pc:spChg>
+        <pc:graphicFrameChg chg="del">
+          <ac:chgData name="Lirielly Vitorugo (EXT-Nokia)" userId="0ad06dbe-3eb2-47ba-923d-c27c80e5608e" providerId="ADAL" clId="{D8D35370-7CB6-408E-980C-DD3EB34ADA6C}" dt="2022-12-11T11:01:21.952" v="356" actId="478"/>
+          <ac:graphicFrameMkLst>
+            <pc:docMk/>
+            <pc:sldMk cId="3821399187" sldId="266"/>
+            <ac:graphicFrameMk id="4" creationId="{8DF3D067-80BF-4ED7-85F6-B29F6E5C5B76}"/>
+          </ac:graphicFrameMkLst>
+        </pc:graphicFrameChg>
+        <pc:graphicFrameChg chg="add mod">
+          <ac:chgData name="Lirielly Vitorugo (EXT-Nokia)" userId="0ad06dbe-3eb2-47ba-923d-c27c80e5608e" providerId="ADAL" clId="{D8D35370-7CB6-408E-980C-DD3EB34ADA6C}" dt="2022-12-11T11:01:54.517" v="377" actId="403"/>
+          <ac:graphicFrameMkLst>
+            <pc:docMk/>
+            <pc:sldMk cId="3821399187" sldId="266"/>
+            <ac:graphicFrameMk id="6" creationId="{BCF76FB5-FA19-4468-AF8C-0B5F3B46AE44}"/>
+          </ac:graphicFrameMkLst>
+        </pc:graphicFrameChg>
+      </pc:sldChg>
+      <pc:sldChg chg="new del">
+        <pc:chgData name="Lirielly Vitorugo (EXT-Nokia)" userId="0ad06dbe-3eb2-47ba-923d-c27c80e5608e" providerId="ADAL" clId="{D8D35370-7CB6-408E-980C-DD3EB34ADA6C}" dt="2022-12-11T11:03:33.652" v="393" actId="2696"/>
+        <pc:sldMkLst>
+          <pc:docMk/>
+          <pc:sldMk cId="2161957090" sldId="267"/>
+        </pc:sldMkLst>
+      </pc:sldChg>
+      <pc:sldChg chg="addSp delSp modSp add mod">
+        <pc:chgData name="Lirielly Vitorugo (EXT-Nokia)" userId="0ad06dbe-3eb2-47ba-923d-c27c80e5608e" providerId="ADAL" clId="{D8D35370-7CB6-408E-980C-DD3EB34ADA6C}" dt="2022-12-11T11:03:56.935" v="416" actId="478"/>
+        <pc:sldMkLst>
+          <pc:docMk/>
+          <pc:sldMk cId="541073426" sldId="268"/>
+        </pc:sldMkLst>
+        <pc:spChg chg="mod">
+          <ac:chgData name="Lirielly Vitorugo (EXT-Nokia)" userId="0ad06dbe-3eb2-47ba-923d-c27c80e5608e" providerId="ADAL" clId="{D8D35370-7CB6-408E-980C-DD3EB34ADA6C}" dt="2022-12-11T11:03:49.592" v="415" actId="313"/>
+          <ac:spMkLst>
+            <pc:docMk/>
+            <pc:sldMk cId="541073426" sldId="268"/>
+            <ac:spMk id="2" creationId="{63ADFB04-70A7-4B9C-BE4E-F9C0364EE3F6}"/>
+          </ac:spMkLst>
+        </pc:spChg>
+        <pc:spChg chg="add mod">
+          <ac:chgData name="Lirielly Vitorugo (EXT-Nokia)" userId="0ad06dbe-3eb2-47ba-923d-c27c80e5608e" providerId="ADAL" clId="{D8D35370-7CB6-408E-980C-DD3EB34ADA6C}" dt="2022-12-11T11:03:56.935" v="416" actId="478"/>
+          <ac:spMkLst>
+            <pc:docMk/>
+            <pc:sldMk cId="541073426" sldId="268"/>
+            <ac:spMk id="5" creationId="{762E4A53-F1A5-4886-BE07-53EE88B68E57}"/>
+          </ac:spMkLst>
+        </pc:spChg>
+        <pc:graphicFrameChg chg="del">
+          <ac:chgData name="Lirielly Vitorugo (EXT-Nokia)" userId="0ad06dbe-3eb2-47ba-923d-c27c80e5608e" providerId="ADAL" clId="{D8D35370-7CB6-408E-980C-DD3EB34ADA6C}" dt="2022-12-11T11:03:56.935" v="416" actId="478"/>
+          <ac:graphicFrameMkLst>
+            <pc:docMk/>
+            <pc:sldMk cId="541073426" sldId="268"/>
+            <ac:graphicFrameMk id="4" creationId="{8DF3D067-80BF-4ED7-85F6-B29F6E5C5B76}"/>
+          </ac:graphicFrameMkLst>
+        </pc:graphicFrameChg>
       </pc:sldChg>
     </pc:docChg>
   </pc:docChgLst>
@@ -2001,6 +2111,365 @@
 </c:chartSpace>
 </file>
 
+<file path=ppt/charts/chart5.xml><?xml version="1.0" encoding="utf-8"?>
+<c:chartSpace xmlns:c="http://schemas.openxmlformats.org/drawingml/2006/chart" xmlns:a="http://schemas.openxmlformats.org/drawingml/2006/main" xmlns:r="http://schemas.openxmlformats.org/officeDocument/2006/relationships" xmlns:c16r2="http://schemas.microsoft.com/office/drawing/2015/06/chart">
+  <c:date1904 val="0"/>
+  <c:lang val="en-US"/>
+  <c:roundedCorners val="0"/>
+  <mc:AlternateContent xmlns:mc="http://schemas.openxmlformats.org/markup-compatibility/2006">
+    <mc:Choice xmlns:c14="http://schemas.microsoft.com/office/drawing/2007/8/2/chart" Requires="c14">
+      <c14:style val="102"/>
+    </mc:Choice>
+    <mc:Fallback>
+      <c:style val="2"/>
+    </mc:Fallback>
+  </mc:AlternateContent>
+  <c:chart>
+    <c:autoTitleDeleted val="1"/>
+    <c:plotArea>
+      <c:layout/>
+      <c:barChart>
+        <c:barDir val="col"/>
+        <c:grouping val="clustered"/>
+        <c:varyColors val="0"/>
+        <c:ser>
+          <c:idx val="0"/>
+          <c:order val="0"/>
+          <c:spPr>
+            <a:solidFill>
+              <a:schemeClr val="accent1"/>
+            </a:solidFill>
+            <a:ln>
+              <a:noFill/>
+            </a:ln>
+            <a:effectLst/>
+          </c:spPr>
+          <c:invertIfNegative val="0"/>
+          <c:dPt>
+            <c:idx val="1"/>
+            <c:invertIfNegative val="0"/>
+            <c:bubble3D val="0"/>
+            <c:spPr>
+              <a:solidFill>
+                <a:schemeClr val="accent2"/>
+              </a:solidFill>
+              <a:ln>
+                <a:solidFill>
+                  <a:schemeClr val="accent2"/>
+                </a:solidFill>
+              </a:ln>
+              <a:effectLst/>
+            </c:spPr>
+            <c:extLst>
+              <c:ext xmlns:c16="http://schemas.microsoft.com/office/drawing/2014/chart" uri="{C3380CC4-5D6E-409C-BE32-E72D297353CC}">
+                <c16:uniqueId val="{00000001-8925-4967-9754-BDFA7C311866}"/>
+              </c:ext>
+            </c:extLst>
+          </c:dPt>
+          <c:dPt>
+            <c:idx val="2"/>
+            <c:invertIfNegative val="0"/>
+            <c:bubble3D val="0"/>
+            <c:spPr>
+              <a:solidFill>
+                <a:schemeClr val="accent3"/>
+              </a:solidFill>
+              <a:ln>
+                <a:solidFill>
+                  <a:schemeClr val="accent3"/>
+                </a:solidFill>
+              </a:ln>
+              <a:effectLst/>
+            </c:spPr>
+            <c:extLst>
+              <c:ext xmlns:c16="http://schemas.microsoft.com/office/drawing/2014/chart" uri="{C3380CC4-5D6E-409C-BE32-E72D297353CC}">
+                <c16:uniqueId val="{00000003-8925-4967-9754-BDFA7C311866}"/>
+              </c:ext>
+            </c:extLst>
+          </c:dPt>
+          <c:dPt>
+            <c:idx val="3"/>
+            <c:invertIfNegative val="0"/>
+            <c:bubble3D val="0"/>
+            <c:spPr>
+              <a:solidFill>
+                <a:schemeClr val="accent4"/>
+              </a:solidFill>
+              <a:ln>
+                <a:solidFill>
+                  <a:schemeClr val="accent4"/>
+                </a:solidFill>
+              </a:ln>
+              <a:effectLst/>
+            </c:spPr>
+            <c:extLst>
+              <c:ext xmlns:c16="http://schemas.microsoft.com/office/drawing/2014/chart" uri="{C3380CC4-5D6E-409C-BE32-E72D297353CC}">
+                <c16:uniqueId val="{00000005-8925-4967-9754-BDFA7C311866}"/>
+              </c:ext>
+            </c:extLst>
+          </c:dPt>
+          <c:dLbls>
+            <c:spPr>
+              <a:noFill/>
+              <a:ln>
+                <a:noFill/>
+              </a:ln>
+              <a:effectLst/>
+            </c:spPr>
+            <c:txPr>
+              <a:bodyPr rot="0" spcFirstLastPara="1" vertOverflow="ellipsis" vert="horz" wrap="square" lIns="38100" tIns="19050" rIns="38100" bIns="19050" anchor="ctr" anchorCtr="1">
+                <a:spAutoFit/>
+              </a:bodyPr>
+              <a:lstStyle/>
+              <a:p>
+                <a:pPr>
+                  <a:defRPr sz="1400" b="0" i="0" u="none" strike="noStrike" kern="1200" baseline="0">
+                    <a:solidFill>
+                      <a:schemeClr val="tx1">
+                        <a:lumMod val="75000"/>
+                        <a:lumOff val="25000"/>
+                      </a:schemeClr>
+                    </a:solidFill>
+                    <a:latin typeface="+mn-lt"/>
+                    <a:ea typeface="+mn-ea"/>
+                    <a:cs typeface="+mn-cs"/>
+                  </a:defRPr>
+                </a:pPr>
+                <a:endParaRPr lang="en-US"/>
+              </a:p>
+            </c:txPr>
+            <c:dLblPos val="outEnd"/>
+            <c:showLegendKey val="0"/>
+            <c:showVal val="1"/>
+            <c:showCatName val="0"/>
+            <c:showSerName val="0"/>
+            <c:showPercent val="0"/>
+            <c:showBubbleSize val="0"/>
+            <c:showLeaderLines val="0"/>
+            <c:extLst>
+              <c:ext xmlns:c15="http://schemas.microsoft.com/office/drawing/2012/chart" uri="{CE6537A1-D6FC-4f65-9D91-7224C49458BB}">
+                <c15:showLeaderLines val="1"/>
+                <c15:leaderLines>
+                  <c:spPr>
+                    <a:ln w="9525" cap="flat" cmpd="sng" algn="ctr">
+                      <a:solidFill>
+                        <a:schemeClr val="tx1">
+                          <a:lumMod val="35000"/>
+                          <a:lumOff val="65000"/>
+                        </a:schemeClr>
+                      </a:solidFill>
+                      <a:round/>
+                    </a:ln>
+                    <a:effectLst/>
+                  </c:spPr>
+                </c15:leaderLines>
+              </c:ext>
+            </c:extLst>
+          </c:dLbls>
+          <c:cat>
+            <c:strRef>
+              <c:f>Sheet3!$C$1:$F$1</c:f>
+              <c:strCache>
+                <c:ptCount val="4"/>
+                <c:pt idx="0">
+                  <c:v>F1</c:v>
+                </c:pt>
+                <c:pt idx="1">
+                  <c:v>Precision</c:v>
+                </c:pt>
+                <c:pt idx="2">
+                  <c:v>Recall</c:v>
+                </c:pt>
+                <c:pt idx="3">
+                  <c:v>Accuracy</c:v>
+                </c:pt>
+              </c:strCache>
+            </c:strRef>
+          </c:cat>
+          <c:val>
+            <c:numRef>
+              <c:f>Sheet3!$C$15:$F$15</c:f>
+              <c:numCache>
+                <c:formatCode>0.00</c:formatCode>
+                <c:ptCount val="4"/>
+                <c:pt idx="0">
+                  <c:v>0.510204082</c:v>
+                </c:pt>
+                <c:pt idx="1">
+                  <c:v>0.52525252499999997</c:v>
+                </c:pt>
+                <c:pt idx="2">
+                  <c:v>0.5</c:v>
+                </c:pt>
+                <c:pt idx="3">
+                  <c:v>0.52500000000000002</c:v>
+                </c:pt>
+              </c:numCache>
+            </c:numRef>
+          </c:val>
+          <c:extLst>
+            <c:ext xmlns:c16="http://schemas.microsoft.com/office/drawing/2014/chart" uri="{C3380CC4-5D6E-409C-BE32-E72D297353CC}">
+              <c16:uniqueId val="{00000006-8925-4967-9754-BDFA7C311866}"/>
+            </c:ext>
+          </c:extLst>
+        </c:ser>
+        <c:dLbls>
+          <c:dLblPos val="outEnd"/>
+          <c:showLegendKey val="0"/>
+          <c:showVal val="1"/>
+          <c:showCatName val="0"/>
+          <c:showSerName val="0"/>
+          <c:showPercent val="0"/>
+          <c:showBubbleSize val="0"/>
+        </c:dLbls>
+        <c:gapWidth val="219"/>
+        <c:axId val="837429608"/>
+        <c:axId val="837431904"/>
+      </c:barChart>
+      <c:catAx>
+        <c:axId val="837429608"/>
+        <c:scaling>
+          <c:orientation val="minMax"/>
+        </c:scaling>
+        <c:delete val="0"/>
+        <c:axPos val="b"/>
+        <c:numFmt formatCode="General" sourceLinked="1"/>
+        <c:majorTickMark val="none"/>
+        <c:minorTickMark val="none"/>
+        <c:tickLblPos val="nextTo"/>
+        <c:spPr>
+          <a:noFill/>
+          <a:ln w="9525" cap="flat" cmpd="sng" algn="ctr">
+            <a:solidFill>
+              <a:schemeClr val="tx1">
+                <a:lumMod val="15000"/>
+                <a:lumOff val="85000"/>
+              </a:schemeClr>
+            </a:solidFill>
+            <a:round/>
+          </a:ln>
+          <a:effectLst/>
+        </c:spPr>
+        <c:txPr>
+          <a:bodyPr rot="-60000000" spcFirstLastPara="1" vertOverflow="ellipsis" vert="horz" wrap="square" anchor="ctr" anchorCtr="1"/>
+          <a:lstStyle/>
+          <a:p>
+            <a:pPr>
+              <a:defRPr sz="1400" b="0" i="0" u="none" strike="noStrike" kern="1200" baseline="0">
+                <a:solidFill>
+                  <a:schemeClr val="tx1">
+                    <a:lumMod val="65000"/>
+                    <a:lumOff val="35000"/>
+                  </a:schemeClr>
+                </a:solidFill>
+                <a:latin typeface="+mn-lt"/>
+                <a:ea typeface="+mn-ea"/>
+                <a:cs typeface="+mn-cs"/>
+              </a:defRPr>
+            </a:pPr>
+            <a:endParaRPr lang="en-US"/>
+          </a:p>
+        </c:txPr>
+        <c:crossAx val="837431904"/>
+        <c:crosses val="autoZero"/>
+        <c:auto val="1"/>
+        <c:lblAlgn val="ctr"/>
+        <c:lblOffset val="100"/>
+        <c:noMultiLvlLbl val="0"/>
+      </c:catAx>
+      <c:valAx>
+        <c:axId val="837431904"/>
+        <c:scaling>
+          <c:orientation val="minMax"/>
+          <c:max val="0.60000000000000009"/>
+          <c:min val="0"/>
+        </c:scaling>
+        <c:delete val="0"/>
+        <c:axPos val="l"/>
+        <c:majorGridlines>
+          <c:spPr>
+            <a:ln w="9525" cap="flat" cmpd="sng" algn="ctr">
+              <a:solidFill>
+                <a:schemeClr val="tx1">
+                  <a:lumMod val="15000"/>
+                  <a:lumOff val="85000"/>
+                </a:schemeClr>
+              </a:solidFill>
+              <a:round/>
+            </a:ln>
+            <a:effectLst/>
+          </c:spPr>
+        </c:majorGridlines>
+        <c:numFmt formatCode="0.00" sourceLinked="1"/>
+        <c:majorTickMark val="none"/>
+        <c:minorTickMark val="none"/>
+        <c:tickLblPos val="nextTo"/>
+        <c:spPr>
+          <a:noFill/>
+          <a:ln>
+            <a:noFill/>
+          </a:ln>
+          <a:effectLst/>
+        </c:spPr>
+        <c:txPr>
+          <a:bodyPr rot="-60000000" spcFirstLastPara="1" vertOverflow="ellipsis" vert="horz" wrap="square" anchor="ctr" anchorCtr="1"/>
+          <a:lstStyle/>
+          <a:p>
+            <a:pPr>
+              <a:defRPr sz="1400" b="0" i="0" u="none" strike="noStrike" kern="1200" baseline="0">
+                <a:solidFill>
+                  <a:schemeClr val="tx1">
+                    <a:lumMod val="65000"/>
+                    <a:lumOff val="35000"/>
+                  </a:schemeClr>
+                </a:solidFill>
+                <a:latin typeface="+mn-lt"/>
+                <a:ea typeface="+mn-ea"/>
+                <a:cs typeface="+mn-cs"/>
+              </a:defRPr>
+            </a:pPr>
+            <a:endParaRPr lang="en-US"/>
+          </a:p>
+        </c:txPr>
+        <c:crossAx val="837429608"/>
+        <c:crosses val="autoZero"/>
+        <c:crossBetween val="between"/>
+      </c:valAx>
+      <c:spPr>
+        <a:noFill/>
+        <a:ln>
+          <a:noFill/>
+        </a:ln>
+        <a:effectLst/>
+      </c:spPr>
+    </c:plotArea>
+    <c:plotVisOnly val="1"/>
+    <c:dispBlanksAs val="gap"/>
+    <c:showDLblsOverMax val="0"/>
+  </c:chart>
+  <c:spPr>
+    <a:noFill/>
+    <a:ln>
+      <a:noFill/>
+    </a:ln>
+    <a:effectLst/>
+  </c:spPr>
+  <c:txPr>
+    <a:bodyPr/>
+    <a:lstStyle/>
+    <a:p>
+      <a:pPr>
+        <a:defRPr/>
+      </a:pPr>
+      <a:endParaRPr lang="en-US"/>
+    </a:p>
+  </c:txPr>
+  <c:externalData r:id="rId3">
+    <c:autoUpdate val="0"/>
+  </c:externalData>
+</c:chartSpace>
+</file>
+
 <file path=ppt/charts/colors1.xml><?xml version="1.0" encoding="utf-8"?>
 <cs:colorStyle xmlns:cs="http://schemas.microsoft.com/office/drawing/2012/chartStyle" xmlns:a="http://schemas.openxmlformats.org/drawingml/2006/main" meth="withinLinear" id="17">
   <a:schemeClr val="accent4"/>
@@ -2092,6 +2561,46 @@
   <a:schemeClr val="accent1"/>
   <a:schemeClr val="accent1"/>
   <a:schemeClr val="accent1"/>
+</cs:colorStyle>
+</file>
+
+<file path=ppt/charts/colors5.xml><?xml version="1.0" encoding="utf-8"?>
+<cs:colorStyle xmlns:cs="http://schemas.microsoft.com/office/drawing/2012/chartStyle" xmlns:a="http://schemas.openxmlformats.org/drawingml/2006/main" meth="cycle" id="10">
+  <a:schemeClr val="accent1"/>
+  <a:schemeClr val="accent2"/>
+  <a:schemeClr val="accent3"/>
+  <a:schemeClr val="accent4"/>
+  <a:schemeClr val="accent5"/>
+  <a:schemeClr val="accent6"/>
+  <cs:variation/>
+  <cs:variation>
+    <a:lumMod val="60000"/>
+  </cs:variation>
+  <cs:variation>
+    <a:lumMod val="80000"/>
+    <a:lumOff val="20000"/>
+  </cs:variation>
+  <cs:variation>
+    <a:lumMod val="80000"/>
+  </cs:variation>
+  <cs:variation>
+    <a:lumMod val="60000"/>
+    <a:lumOff val="40000"/>
+  </cs:variation>
+  <cs:variation>
+    <a:lumMod val="50000"/>
+  </cs:variation>
+  <cs:variation>
+    <a:lumMod val="70000"/>
+    <a:lumOff val="30000"/>
+  </cs:variation>
+  <cs:variation>
+    <a:lumMod val="70000"/>
+  </cs:variation>
+  <cs:variation>
+    <a:lumMod val="50000"/>
+    <a:lumOff val="50000"/>
+  </cs:variation>
 </cs:colorStyle>
 </file>
 
@@ -3620,6 +4129,509 @@
 
 <file path=ppt/charts/style4.xml><?xml version="1.0" encoding="utf-8"?>
 <cs:chartStyle xmlns:cs="http://schemas.microsoft.com/office/drawing/2012/chartStyle" xmlns:a="http://schemas.openxmlformats.org/drawingml/2006/main" id="332">
+  <cs:axisTitle>
+    <cs:lnRef idx="0"/>
+    <cs:fillRef idx="0"/>
+    <cs:effectRef idx="0"/>
+    <cs:fontRef idx="minor">
+      <a:schemeClr val="tx1">
+        <a:lumMod val="65000"/>
+        <a:lumOff val="35000"/>
+      </a:schemeClr>
+    </cs:fontRef>
+    <cs:defRPr sz="1000" kern="1200"/>
+  </cs:axisTitle>
+  <cs:categoryAxis>
+    <cs:lnRef idx="0"/>
+    <cs:fillRef idx="0"/>
+    <cs:effectRef idx="0"/>
+    <cs:fontRef idx="minor">
+      <a:schemeClr val="tx1">
+        <a:lumMod val="65000"/>
+        <a:lumOff val="35000"/>
+      </a:schemeClr>
+    </cs:fontRef>
+    <cs:spPr>
+      <a:ln w="9525" cap="flat" cmpd="sng" algn="ctr">
+        <a:solidFill>
+          <a:schemeClr val="tx1">
+            <a:lumMod val="15000"/>
+            <a:lumOff val="85000"/>
+          </a:schemeClr>
+        </a:solidFill>
+        <a:round/>
+      </a:ln>
+    </cs:spPr>
+    <cs:defRPr sz="900" kern="1200"/>
+  </cs:categoryAxis>
+  <cs:chartArea mods="allowNoFillOverride allowNoLineOverride">
+    <cs:lnRef idx="0"/>
+    <cs:fillRef idx="0"/>
+    <cs:effectRef idx="0"/>
+    <cs:fontRef idx="minor">
+      <a:schemeClr val="tx1"/>
+    </cs:fontRef>
+    <cs:spPr>
+      <a:solidFill>
+        <a:schemeClr val="bg1"/>
+      </a:solidFill>
+      <a:ln w="9525" cap="flat" cmpd="sng" algn="ctr">
+        <a:solidFill>
+          <a:schemeClr val="tx1">
+            <a:lumMod val="15000"/>
+            <a:lumOff val="85000"/>
+          </a:schemeClr>
+        </a:solidFill>
+        <a:round/>
+      </a:ln>
+    </cs:spPr>
+    <cs:defRPr sz="1000" kern="1200"/>
+  </cs:chartArea>
+  <cs:dataLabel>
+    <cs:lnRef idx="0"/>
+    <cs:fillRef idx="0"/>
+    <cs:effectRef idx="0"/>
+    <cs:fontRef idx="minor">
+      <a:schemeClr val="tx1">
+        <a:lumMod val="75000"/>
+        <a:lumOff val="25000"/>
+      </a:schemeClr>
+    </cs:fontRef>
+    <cs:defRPr sz="900" kern="1200"/>
+  </cs:dataLabel>
+  <cs:dataLabelCallout>
+    <cs:lnRef idx="0"/>
+    <cs:fillRef idx="0"/>
+    <cs:effectRef idx="0"/>
+    <cs:fontRef idx="minor">
+      <a:schemeClr val="dk1">
+        <a:lumMod val="65000"/>
+        <a:lumOff val="35000"/>
+      </a:schemeClr>
+    </cs:fontRef>
+    <cs:spPr>
+      <a:solidFill>
+        <a:schemeClr val="lt1"/>
+      </a:solidFill>
+      <a:ln>
+        <a:solidFill>
+          <a:schemeClr val="dk1">
+            <a:lumMod val="25000"/>
+            <a:lumOff val="75000"/>
+          </a:schemeClr>
+        </a:solidFill>
+      </a:ln>
+    </cs:spPr>
+    <cs:defRPr sz="900" kern="1200"/>
+    <cs:bodyPr rot="0" spcFirstLastPara="1" vertOverflow="clip" horzOverflow="clip" vert="horz" wrap="square" lIns="36576" tIns="18288" rIns="36576" bIns="18288" anchor="ctr" anchorCtr="1">
+      <a:spAutoFit/>
+    </cs:bodyPr>
+  </cs:dataLabelCallout>
+  <cs:dataPoint>
+    <cs:lnRef idx="0"/>
+    <cs:fillRef idx="1">
+      <cs:styleClr val="auto"/>
+    </cs:fillRef>
+    <cs:effectRef idx="0"/>
+    <cs:fontRef idx="minor">
+      <a:schemeClr val="tx1"/>
+    </cs:fontRef>
+  </cs:dataPoint>
+  <cs:dataPoint3D>
+    <cs:lnRef idx="0"/>
+    <cs:fillRef idx="1">
+      <cs:styleClr val="auto"/>
+    </cs:fillRef>
+    <cs:effectRef idx="0"/>
+    <cs:fontRef idx="minor">
+      <a:schemeClr val="tx1"/>
+    </cs:fontRef>
+  </cs:dataPoint3D>
+  <cs:dataPointLine>
+    <cs:lnRef idx="0">
+      <cs:styleClr val="auto"/>
+    </cs:lnRef>
+    <cs:fillRef idx="1"/>
+    <cs:effectRef idx="0"/>
+    <cs:fontRef idx="minor">
+      <a:schemeClr val="tx1"/>
+    </cs:fontRef>
+    <cs:spPr>
+      <a:ln w="28575" cap="rnd">
+        <a:solidFill>
+          <a:schemeClr val="phClr"/>
+        </a:solidFill>
+        <a:round/>
+      </a:ln>
+    </cs:spPr>
+  </cs:dataPointLine>
+  <cs:dataPointMarker>
+    <cs:lnRef idx="0">
+      <cs:styleClr val="auto"/>
+    </cs:lnRef>
+    <cs:fillRef idx="1">
+      <cs:styleClr val="auto"/>
+    </cs:fillRef>
+    <cs:effectRef idx="0"/>
+    <cs:fontRef idx="minor">
+      <a:schemeClr val="tx1"/>
+    </cs:fontRef>
+    <cs:spPr>
+      <a:ln w="9525">
+        <a:solidFill>
+          <a:schemeClr val="phClr"/>
+        </a:solidFill>
+      </a:ln>
+    </cs:spPr>
+  </cs:dataPointMarker>
+  <cs:dataPointMarkerLayout symbol="circle" size="5"/>
+  <cs:dataPointWireframe>
+    <cs:lnRef idx="0">
+      <cs:styleClr val="auto"/>
+    </cs:lnRef>
+    <cs:fillRef idx="1"/>
+    <cs:effectRef idx="0"/>
+    <cs:fontRef idx="minor">
+      <a:schemeClr val="tx1"/>
+    </cs:fontRef>
+    <cs:spPr>
+      <a:ln w="9525" cap="rnd">
+        <a:solidFill>
+          <a:schemeClr val="phClr"/>
+        </a:solidFill>
+        <a:round/>
+      </a:ln>
+    </cs:spPr>
+  </cs:dataPointWireframe>
+  <cs:dataTable>
+    <cs:lnRef idx="0"/>
+    <cs:fillRef idx="0"/>
+    <cs:effectRef idx="0"/>
+    <cs:fontRef idx="minor">
+      <a:schemeClr val="tx1">
+        <a:lumMod val="65000"/>
+        <a:lumOff val="35000"/>
+      </a:schemeClr>
+    </cs:fontRef>
+    <cs:spPr>
+      <a:noFill/>
+      <a:ln w="9525" cap="flat" cmpd="sng" algn="ctr">
+        <a:solidFill>
+          <a:schemeClr val="tx1">
+            <a:lumMod val="15000"/>
+            <a:lumOff val="85000"/>
+          </a:schemeClr>
+        </a:solidFill>
+        <a:round/>
+      </a:ln>
+    </cs:spPr>
+    <cs:defRPr sz="900" kern="1200"/>
+  </cs:dataTable>
+  <cs:downBar>
+    <cs:lnRef idx="0"/>
+    <cs:fillRef idx="0"/>
+    <cs:effectRef idx="0"/>
+    <cs:fontRef idx="minor">
+      <a:schemeClr val="dk1"/>
+    </cs:fontRef>
+    <cs:spPr>
+      <a:solidFill>
+        <a:schemeClr val="dk1">
+          <a:lumMod val="65000"/>
+          <a:lumOff val="35000"/>
+        </a:schemeClr>
+      </a:solidFill>
+      <a:ln w="9525">
+        <a:solidFill>
+          <a:schemeClr val="tx1">
+            <a:lumMod val="65000"/>
+            <a:lumOff val="35000"/>
+          </a:schemeClr>
+        </a:solidFill>
+      </a:ln>
+    </cs:spPr>
+  </cs:downBar>
+  <cs:dropLine>
+    <cs:lnRef idx="0"/>
+    <cs:fillRef idx="0"/>
+    <cs:effectRef idx="0"/>
+    <cs:fontRef idx="minor">
+      <a:schemeClr val="tx1"/>
+    </cs:fontRef>
+    <cs:spPr>
+      <a:ln w="9525" cap="flat" cmpd="sng" algn="ctr">
+        <a:solidFill>
+          <a:schemeClr val="tx1">
+            <a:lumMod val="35000"/>
+            <a:lumOff val="65000"/>
+          </a:schemeClr>
+        </a:solidFill>
+        <a:round/>
+      </a:ln>
+    </cs:spPr>
+  </cs:dropLine>
+  <cs:errorBar>
+    <cs:lnRef idx="0"/>
+    <cs:fillRef idx="0"/>
+    <cs:effectRef idx="0"/>
+    <cs:fontRef idx="minor">
+      <a:schemeClr val="tx1"/>
+    </cs:fontRef>
+    <cs:spPr>
+      <a:ln w="9525" cap="flat" cmpd="sng" algn="ctr">
+        <a:solidFill>
+          <a:schemeClr val="tx1">
+            <a:lumMod val="65000"/>
+            <a:lumOff val="35000"/>
+          </a:schemeClr>
+        </a:solidFill>
+        <a:round/>
+      </a:ln>
+    </cs:spPr>
+  </cs:errorBar>
+  <cs:floor>
+    <cs:lnRef idx="0"/>
+    <cs:fillRef idx="0"/>
+    <cs:effectRef idx="0"/>
+    <cs:fontRef idx="minor">
+      <a:schemeClr val="tx1"/>
+    </cs:fontRef>
+    <cs:spPr>
+      <a:noFill/>
+      <a:ln>
+        <a:noFill/>
+      </a:ln>
+    </cs:spPr>
+  </cs:floor>
+  <cs:gridlineMajor>
+    <cs:lnRef idx="0"/>
+    <cs:fillRef idx="0"/>
+    <cs:effectRef idx="0"/>
+    <cs:fontRef idx="minor">
+      <a:schemeClr val="tx1"/>
+    </cs:fontRef>
+    <cs:spPr>
+      <a:ln w="9525" cap="flat" cmpd="sng" algn="ctr">
+        <a:solidFill>
+          <a:schemeClr val="tx1">
+            <a:lumMod val="15000"/>
+            <a:lumOff val="85000"/>
+          </a:schemeClr>
+        </a:solidFill>
+        <a:round/>
+      </a:ln>
+    </cs:spPr>
+  </cs:gridlineMajor>
+  <cs:gridlineMinor>
+    <cs:lnRef idx="0"/>
+    <cs:fillRef idx="0"/>
+    <cs:effectRef idx="0"/>
+    <cs:fontRef idx="minor">
+      <a:schemeClr val="tx1"/>
+    </cs:fontRef>
+    <cs:spPr>
+      <a:ln w="9525" cap="flat" cmpd="sng" algn="ctr">
+        <a:solidFill>
+          <a:schemeClr val="tx1">
+            <a:lumMod val="5000"/>
+            <a:lumOff val="95000"/>
+          </a:schemeClr>
+        </a:solidFill>
+        <a:round/>
+      </a:ln>
+    </cs:spPr>
+  </cs:gridlineMinor>
+  <cs:hiLoLine>
+    <cs:lnRef idx="0"/>
+    <cs:fillRef idx="0"/>
+    <cs:effectRef idx="0"/>
+    <cs:fontRef idx="minor">
+      <a:schemeClr val="tx1"/>
+    </cs:fontRef>
+    <cs:spPr>
+      <a:ln w="9525" cap="flat" cmpd="sng" algn="ctr">
+        <a:solidFill>
+          <a:schemeClr val="tx1">
+            <a:lumMod val="75000"/>
+            <a:lumOff val="25000"/>
+          </a:schemeClr>
+        </a:solidFill>
+        <a:round/>
+      </a:ln>
+    </cs:spPr>
+  </cs:hiLoLine>
+  <cs:leaderLine>
+    <cs:lnRef idx="0"/>
+    <cs:fillRef idx="0"/>
+    <cs:effectRef idx="0"/>
+    <cs:fontRef idx="minor">
+      <a:schemeClr val="tx1"/>
+    </cs:fontRef>
+    <cs:spPr>
+      <a:ln w="9525" cap="flat" cmpd="sng" algn="ctr">
+        <a:solidFill>
+          <a:schemeClr val="tx1">
+            <a:lumMod val="35000"/>
+            <a:lumOff val="65000"/>
+          </a:schemeClr>
+        </a:solidFill>
+        <a:round/>
+      </a:ln>
+    </cs:spPr>
+  </cs:leaderLine>
+  <cs:legend>
+    <cs:lnRef idx="0"/>
+    <cs:fillRef idx="0"/>
+    <cs:effectRef idx="0"/>
+    <cs:fontRef idx="minor">
+      <a:schemeClr val="tx1">
+        <a:lumMod val="65000"/>
+        <a:lumOff val="35000"/>
+      </a:schemeClr>
+    </cs:fontRef>
+    <cs:defRPr sz="900" kern="1200"/>
+  </cs:legend>
+  <cs:plotArea mods="allowNoFillOverride allowNoLineOverride">
+    <cs:lnRef idx="0"/>
+    <cs:fillRef idx="0"/>
+    <cs:effectRef idx="0"/>
+    <cs:fontRef idx="minor">
+      <a:schemeClr val="tx1"/>
+    </cs:fontRef>
+  </cs:plotArea>
+  <cs:plotArea3D mods="allowNoFillOverride allowNoLineOverride">
+    <cs:lnRef idx="0"/>
+    <cs:fillRef idx="0"/>
+    <cs:effectRef idx="0"/>
+    <cs:fontRef idx="minor">
+      <a:schemeClr val="tx1"/>
+    </cs:fontRef>
+  </cs:plotArea3D>
+  <cs:seriesAxis>
+    <cs:lnRef idx="0"/>
+    <cs:fillRef idx="0"/>
+    <cs:effectRef idx="0"/>
+    <cs:fontRef idx="minor">
+      <a:schemeClr val="tx1">
+        <a:lumMod val="65000"/>
+        <a:lumOff val="35000"/>
+      </a:schemeClr>
+    </cs:fontRef>
+    <cs:defRPr sz="900" kern="1200"/>
+  </cs:seriesAxis>
+  <cs:seriesLine>
+    <cs:lnRef idx="0"/>
+    <cs:fillRef idx="0"/>
+    <cs:effectRef idx="0"/>
+    <cs:fontRef idx="minor">
+      <a:schemeClr val="tx1"/>
+    </cs:fontRef>
+    <cs:spPr>
+      <a:ln w="9525" cap="flat" cmpd="sng" algn="ctr">
+        <a:solidFill>
+          <a:schemeClr val="tx1">
+            <a:lumMod val="35000"/>
+            <a:lumOff val="65000"/>
+          </a:schemeClr>
+        </a:solidFill>
+        <a:round/>
+      </a:ln>
+    </cs:spPr>
+  </cs:seriesLine>
+  <cs:title>
+    <cs:lnRef idx="0"/>
+    <cs:fillRef idx="0"/>
+    <cs:effectRef idx="0"/>
+    <cs:fontRef idx="minor">
+      <a:schemeClr val="tx1">
+        <a:lumMod val="65000"/>
+        <a:lumOff val="35000"/>
+      </a:schemeClr>
+    </cs:fontRef>
+    <cs:defRPr sz="1400" b="0" kern="1200" spc="0" baseline="0"/>
+  </cs:title>
+  <cs:trendline>
+    <cs:lnRef idx="0">
+      <cs:styleClr val="auto"/>
+    </cs:lnRef>
+    <cs:fillRef idx="0"/>
+    <cs:effectRef idx="0"/>
+    <cs:fontRef idx="minor">
+      <a:schemeClr val="tx1"/>
+    </cs:fontRef>
+    <cs:spPr>
+      <a:ln w="19050" cap="rnd">
+        <a:solidFill>
+          <a:schemeClr val="phClr"/>
+        </a:solidFill>
+        <a:prstDash val="sysDot"/>
+      </a:ln>
+    </cs:spPr>
+  </cs:trendline>
+  <cs:trendlineLabel>
+    <cs:lnRef idx="0"/>
+    <cs:fillRef idx="0"/>
+    <cs:effectRef idx="0"/>
+    <cs:fontRef idx="minor">
+      <a:schemeClr val="tx1">
+        <a:lumMod val="65000"/>
+        <a:lumOff val="35000"/>
+      </a:schemeClr>
+    </cs:fontRef>
+    <cs:defRPr sz="900" kern="1200"/>
+  </cs:trendlineLabel>
+  <cs:upBar>
+    <cs:lnRef idx="0"/>
+    <cs:fillRef idx="0"/>
+    <cs:effectRef idx="0"/>
+    <cs:fontRef idx="minor">
+      <a:schemeClr val="dk1"/>
+    </cs:fontRef>
+    <cs:spPr>
+      <a:solidFill>
+        <a:schemeClr val="lt1"/>
+      </a:solidFill>
+      <a:ln w="9525">
+        <a:solidFill>
+          <a:schemeClr val="tx1">
+            <a:lumMod val="15000"/>
+            <a:lumOff val="85000"/>
+          </a:schemeClr>
+        </a:solidFill>
+      </a:ln>
+    </cs:spPr>
+  </cs:upBar>
+  <cs:valueAxis>
+    <cs:lnRef idx="0"/>
+    <cs:fillRef idx="0"/>
+    <cs:effectRef idx="0"/>
+    <cs:fontRef idx="minor">
+      <a:schemeClr val="tx1">
+        <a:lumMod val="65000"/>
+        <a:lumOff val="35000"/>
+      </a:schemeClr>
+    </cs:fontRef>
+    <cs:defRPr sz="900" kern="1200"/>
+  </cs:valueAxis>
+  <cs:wall>
+    <cs:lnRef idx="0"/>
+    <cs:fillRef idx="0"/>
+    <cs:effectRef idx="0"/>
+    <cs:fontRef idx="minor">
+      <a:schemeClr val="tx1"/>
+    </cs:fontRef>
+    <cs:spPr>
+      <a:noFill/>
+      <a:ln>
+        <a:noFill/>
+      </a:ln>
+    </cs:spPr>
+  </cs:wall>
+</cs:chartStyle>
+</file>
+
+<file path=ppt/charts/style5.xml><?xml version="1.0" encoding="utf-8"?>
+<cs:chartStyle xmlns:cs="http://schemas.microsoft.com/office/drawing/2012/chartStyle" xmlns:a="http://schemas.openxmlformats.org/drawingml/2006/main" id="201">
   <cs:axisTitle>
     <cs:lnRef idx="0"/>
     <cs:fillRef idx="0"/>
@@ -7754,7 +8766,7 @@
           <a:p>
             <a:fld id="{990F3D1A-3E4A-4C7F-A317-12AC8E34A8BA}" type="datetimeFigureOut">
               <a:rPr lang="en-US" smtClean="0"/>
-              <a:t>12/10/2022</a:t>
+              <a:t>12/11/2022</a:t>
             </a:fld>
             <a:endParaRPr lang="en-US"/>
           </a:p>
@@ -7952,7 +8964,7 @@
           <a:p>
             <a:fld id="{990F3D1A-3E4A-4C7F-A317-12AC8E34A8BA}" type="datetimeFigureOut">
               <a:rPr lang="en-US" smtClean="0"/>
-              <a:t>12/10/2022</a:t>
+              <a:t>12/11/2022</a:t>
             </a:fld>
             <a:endParaRPr lang="en-US"/>
           </a:p>
@@ -8160,7 +9172,7 @@
           <a:p>
             <a:fld id="{990F3D1A-3E4A-4C7F-A317-12AC8E34A8BA}" type="datetimeFigureOut">
               <a:rPr lang="en-US" smtClean="0"/>
-              <a:t>12/10/2022</a:t>
+              <a:t>12/11/2022</a:t>
             </a:fld>
             <a:endParaRPr lang="en-US"/>
           </a:p>
@@ -8358,7 +9370,7 @@
           <a:p>
             <a:fld id="{990F3D1A-3E4A-4C7F-A317-12AC8E34A8BA}" type="datetimeFigureOut">
               <a:rPr lang="en-US" smtClean="0"/>
-              <a:t>12/10/2022</a:t>
+              <a:t>12/11/2022</a:t>
             </a:fld>
             <a:endParaRPr lang="en-US"/>
           </a:p>
@@ -8633,7 +9645,7 @@
           <a:p>
             <a:fld id="{990F3D1A-3E4A-4C7F-A317-12AC8E34A8BA}" type="datetimeFigureOut">
               <a:rPr lang="en-US" smtClean="0"/>
-              <a:t>12/10/2022</a:t>
+              <a:t>12/11/2022</a:t>
             </a:fld>
             <a:endParaRPr lang="en-US"/>
           </a:p>
@@ -8898,7 +9910,7 @@
           <a:p>
             <a:fld id="{990F3D1A-3E4A-4C7F-A317-12AC8E34A8BA}" type="datetimeFigureOut">
               <a:rPr lang="en-US" smtClean="0"/>
-              <a:t>12/10/2022</a:t>
+              <a:t>12/11/2022</a:t>
             </a:fld>
             <a:endParaRPr lang="en-US"/>
           </a:p>
@@ -9310,7 +10322,7 @@
           <a:p>
             <a:fld id="{990F3D1A-3E4A-4C7F-A317-12AC8E34A8BA}" type="datetimeFigureOut">
               <a:rPr lang="en-US" smtClean="0"/>
-              <a:t>12/10/2022</a:t>
+              <a:t>12/11/2022</a:t>
             </a:fld>
             <a:endParaRPr lang="en-US"/>
           </a:p>
@@ -9451,7 +10463,7 @@
           <a:p>
             <a:fld id="{990F3D1A-3E4A-4C7F-A317-12AC8E34A8BA}" type="datetimeFigureOut">
               <a:rPr lang="en-US" smtClean="0"/>
-              <a:t>12/10/2022</a:t>
+              <a:t>12/11/2022</a:t>
             </a:fld>
             <a:endParaRPr lang="en-US"/>
           </a:p>
@@ -9564,7 +10576,7 @@
           <a:p>
             <a:fld id="{990F3D1A-3E4A-4C7F-A317-12AC8E34A8BA}" type="datetimeFigureOut">
               <a:rPr lang="en-US" smtClean="0"/>
-              <a:t>12/10/2022</a:t>
+              <a:t>12/11/2022</a:t>
             </a:fld>
             <a:endParaRPr lang="en-US"/>
           </a:p>
@@ -9875,7 +10887,7 @@
           <a:p>
             <a:fld id="{990F3D1A-3E4A-4C7F-A317-12AC8E34A8BA}" type="datetimeFigureOut">
               <a:rPr lang="en-US" smtClean="0"/>
-              <a:t>12/10/2022</a:t>
+              <a:t>12/11/2022</a:t>
             </a:fld>
             <a:endParaRPr lang="en-US"/>
           </a:p>
@@ -10163,7 +11175,7 @@
           <a:p>
             <a:fld id="{990F3D1A-3E4A-4C7F-A317-12AC8E34A8BA}" type="datetimeFigureOut">
               <a:rPr lang="en-US" smtClean="0"/>
-              <a:t>12/10/2022</a:t>
+              <a:t>12/11/2022</a:t>
             </a:fld>
             <a:endParaRPr lang="en-US"/>
           </a:p>
@@ -10404,7 +11416,7 @@
           <a:p>
             <a:fld id="{990F3D1A-3E4A-4C7F-A317-12AC8E34A8BA}" type="datetimeFigureOut">
               <a:rPr lang="en-US" smtClean="0"/>
-              <a:t>12/10/2022</a:t>
+              <a:t>12/11/2022</a:t>
             </a:fld>
             <a:endParaRPr lang="en-US"/>
           </a:p>
@@ -11436,6 +12448,226 @@
         </p:nvSpPr>
         <p:spPr>
           <a:xfrm>
+            <a:off x="391378" y="292966"/>
+            <a:ext cx="11407487" cy="1325563"/>
+          </a:xfrm>
+        </p:spPr>
+        <p:txBody>
+          <a:bodyPr>
+            <a:normAutofit/>
+          </a:bodyPr>
+          <a:lstStyle/>
+          <a:p>
+            <a:r>
+              <a:rPr lang="en-US" sz="5400" dirty="0"/>
+              <a:t>Reinforcement Learning</a:t>
+            </a:r>
+          </a:p>
+        </p:txBody>
+      </p:sp>
+      <p:sp>
+        <p:nvSpPr>
+          <p:cNvPr id="5" name="Content Placeholder 4">
+            <a:extLst>
+              <a:ext uri="{FF2B5EF4-FFF2-40B4-BE49-F238E27FC236}">
+                <a16:creationId xmlns:a16="http://schemas.microsoft.com/office/drawing/2014/main" id="{762E4A53-F1A5-4886-BE07-53EE88B68E57}"/>
+              </a:ext>
+            </a:extLst>
+          </p:cNvPr>
+          <p:cNvSpPr>
+            <a:spLocks noGrp="1"/>
+          </p:cNvSpPr>
+          <p:nvPr>
+            <p:ph idx="1"/>
+          </p:nvPr>
+        </p:nvSpPr>
+        <p:spPr/>
+        <p:txBody>
+          <a:bodyPr/>
+          <a:lstStyle/>
+          <a:p>
+            <a:endParaRPr lang="en-US"/>
+          </a:p>
+        </p:txBody>
+      </p:sp>
+    </p:spTree>
+    <p:extLst>
+      <p:ext uri="{BB962C8B-B14F-4D97-AF65-F5344CB8AC3E}">
+        <p14:creationId xmlns:p14="http://schemas.microsoft.com/office/powerpoint/2010/main" val="541073426"/>
+      </p:ext>
+    </p:extLst>
+  </p:cSld>
+  <p:clrMapOvr>
+    <a:masterClrMapping/>
+  </p:clrMapOvr>
+</p:sld>
+</file>
+
+<file path=ppt/slides/slide11.xml><?xml version="1.0" encoding="utf-8"?>
+<p:sld xmlns:a="http://schemas.openxmlformats.org/drawingml/2006/main" xmlns:r="http://schemas.openxmlformats.org/officeDocument/2006/relationships" xmlns:p="http://schemas.openxmlformats.org/presentationml/2006/main">
+  <p:cSld>
+    <p:bg>
+      <p:bgPr>
+        <a:solidFill>
+          <a:schemeClr val="bg1"/>
+        </a:solidFill>
+        <a:effectLst/>
+      </p:bgPr>
+    </p:bg>
+    <p:spTree>
+      <p:nvGrpSpPr>
+        <p:cNvPr id="1" name=""/>
+        <p:cNvGrpSpPr/>
+        <p:nvPr/>
+      </p:nvGrpSpPr>
+      <p:grpSpPr>
+        <a:xfrm>
+          <a:off x="0" y="0"/>
+          <a:ext cx="0" cy="0"/>
+          <a:chOff x="0" y="0"/>
+          <a:chExt cx="0" cy="0"/>
+        </a:xfrm>
+      </p:grpSpPr>
+      <p:graphicFrame>
+        <p:nvGraphicFramePr>
+          <p:cNvPr id="6" name="Chart 5">
+            <a:extLst>
+              <a:ext uri="{FF2B5EF4-FFF2-40B4-BE49-F238E27FC236}">
+                <a16:creationId xmlns:a16="http://schemas.microsoft.com/office/drawing/2014/main" id="{BCF76FB5-FA19-4468-AF8C-0B5F3B46AE44}"/>
+              </a:ext>
+            </a:extLst>
+          </p:cNvPr>
+          <p:cNvGraphicFramePr>
+            <a:graphicFrameLocks/>
+          </p:cNvGraphicFramePr>
+          <p:nvPr>
+            <p:extLst>
+              <p:ext uri="{D42A27DB-BD31-4B8C-83A1-F6EECF244321}">
+                <p14:modId xmlns:p14="http://schemas.microsoft.com/office/powerpoint/2010/main" val="867479352"/>
+              </p:ext>
+            </p:extLst>
+          </p:nvPr>
+        </p:nvGraphicFramePr>
+        <p:xfrm>
+          <a:off x="838200" y="1863801"/>
+          <a:ext cx="10515599" cy="4440746"/>
+        </p:xfrm>
+        <a:graphic>
+          <a:graphicData uri="http://schemas.openxmlformats.org/drawingml/2006/chart">
+            <c:chart xmlns:c="http://schemas.openxmlformats.org/drawingml/2006/chart" xmlns:r="http://schemas.openxmlformats.org/officeDocument/2006/relationships" r:id="rId2"/>
+          </a:graphicData>
+        </a:graphic>
+      </p:graphicFrame>
+      <p:sp>
+        <p:nvSpPr>
+          <p:cNvPr id="9" name="Title 1">
+            <a:extLst>
+              <a:ext uri="{FF2B5EF4-FFF2-40B4-BE49-F238E27FC236}">
+                <a16:creationId xmlns:a16="http://schemas.microsoft.com/office/drawing/2014/main" id="{35A9B43E-5B1A-49B8-ADEA-E184F77E51BF}"/>
+              </a:ext>
+            </a:extLst>
+          </p:cNvPr>
+          <p:cNvSpPr txBox="1">
+            <a:spLocks/>
+          </p:cNvSpPr>
+          <p:nvPr/>
+        </p:nvSpPr>
+        <p:spPr>
+          <a:xfrm>
+            <a:off x="391378" y="292966"/>
+            <a:ext cx="11407487" cy="1325563"/>
+          </a:xfrm>
+          <a:prstGeom prst="rect">
+            <a:avLst/>
+          </a:prstGeom>
+        </p:spPr>
+        <p:txBody>
+          <a:bodyPr vert="horz" lIns="91440" tIns="45720" rIns="91440" bIns="45720" rtlCol="0" anchor="ctr">
+            <a:normAutofit/>
+          </a:bodyPr>
+          <a:lstStyle>
+            <a:lvl1pPr algn="l" defTabSz="914400" rtl="0" eaLnBrk="1" latinLnBrk="0" hangingPunct="1">
+              <a:lnSpc>
+                <a:spcPct val="90000"/>
+              </a:lnSpc>
+              <a:spcBef>
+                <a:spcPct val="0"/>
+              </a:spcBef>
+              <a:buNone/>
+              <a:defRPr sz="4400" kern="1200">
+                <a:solidFill>
+                  <a:schemeClr val="tx1"/>
+                </a:solidFill>
+                <a:latin typeface="+mj-lt"/>
+                <a:ea typeface="+mj-ea"/>
+                <a:cs typeface="+mj-cs"/>
+              </a:defRPr>
+            </a:lvl1pPr>
+          </a:lstStyle>
+          <a:p>
+            <a:r>
+              <a:rPr lang="en-US" sz="5400" dirty="0"/>
+              <a:t>RL - Execution Results</a:t>
+            </a:r>
+          </a:p>
+        </p:txBody>
+      </p:sp>
+    </p:spTree>
+    <p:extLst>
+      <p:ext uri="{BB962C8B-B14F-4D97-AF65-F5344CB8AC3E}">
+        <p14:creationId xmlns:p14="http://schemas.microsoft.com/office/powerpoint/2010/main" val="3821399187"/>
+      </p:ext>
+    </p:extLst>
+  </p:cSld>
+  <p:clrMapOvr>
+    <a:masterClrMapping/>
+  </p:clrMapOvr>
+</p:sld>
+</file>
+
+<file path=ppt/slides/slide12.xml><?xml version="1.0" encoding="utf-8"?>
+<p:sld xmlns:a="http://schemas.openxmlformats.org/drawingml/2006/main" xmlns:r="http://schemas.openxmlformats.org/officeDocument/2006/relationships" xmlns:p="http://schemas.openxmlformats.org/presentationml/2006/main">
+  <p:cSld>
+    <p:bg>
+      <p:bgPr>
+        <a:solidFill>
+          <a:schemeClr val="bg1"/>
+        </a:solidFill>
+        <a:effectLst/>
+      </p:bgPr>
+    </p:bg>
+    <p:spTree>
+      <p:nvGrpSpPr>
+        <p:cNvPr id="1" name=""/>
+        <p:cNvGrpSpPr/>
+        <p:nvPr/>
+      </p:nvGrpSpPr>
+      <p:grpSpPr>
+        <a:xfrm>
+          <a:off x="0" y="0"/>
+          <a:ext cx="0" cy="0"/>
+          <a:chOff x="0" y="0"/>
+          <a:chExt cx="0" cy="0"/>
+        </a:xfrm>
+      </p:grpSpPr>
+      <p:sp>
+        <p:nvSpPr>
+          <p:cNvPr id="2" name="Title 1">
+            <a:extLst>
+              <a:ext uri="{FF2B5EF4-FFF2-40B4-BE49-F238E27FC236}">
+                <a16:creationId xmlns:a16="http://schemas.microsoft.com/office/drawing/2014/main" id="{63ADFB04-70A7-4B9C-BE4E-F9C0364EE3F6}"/>
+              </a:ext>
+            </a:extLst>
+          </p:cNvPr>
+          <p:cNvSpPr>
+            <a:spLocks noGrp="1"/>
+          </p:cNvSpPr>
+          <p:nvPr>
+            <p:ph type="title"/>
+          </p:nvPr>
+        </p:nvSpPr>
+        <p:spPr>
+          <a:xfrm>
             <a:off x="391378" y="320675"/>
             <a:ext cx="11407487" cy="1325563"/>
           </a:xfrm>
@@ -11475,7 +12707,7 @@
           <a:lstStyle/>
           <a:p>
             <a:r>
-              <a:rPr lang="en-US" i="0" dirty="0" err="1">
+              <a:rPr lang="en-US" sz="2000" i="0" dirty="0">
                 <a:solidFill>
                   <a:srgbClr val="292929"/>
                 </a:solidFill>
@@ -11483,20 +12715,9 @@
                 <a:latin typeface="sohne"/>
                 <a:hlinkClick r:id="rId2"/>
               </a:rPr>
-              <a:t>Keras</a:t>
+              <a:t>How to Classify Photos of Dogs and Cats</a:t>
             </a:r>
-            <a:r>
-              <a:rPr lang="en-US" i="0" dirty="0">
-                <a:solidFill>
-                  <a:srgbClr val="292929"/>
-                </a:solidFill>
-                <a:effectLst/>
-                <a:latin typeface="sohne"/>
-                <a:hlinkClick r:id="rId2"/>
-              </a:rPr>
-              <a:t> Applications</a:t>
-            </a:r>
-            <a:endParaRPr lang="en-US" i="0" dirty="0">
+            <a:endParaRPr lang="en-US" sz="2000" i="0" dirty="0">
               <a:solidFill>
                 <a:srgbClr val="292929"/>
               </a:solidFill>
@@ -11507,7 +12728,7 @@
           </a:p>
           <a:p>
             <a:r>
-              <a:rPr lang="en-US" i="0" dirty="0">
+              <a:rPr lang="en-US" sz="2000" i="0" dirty="0" err="1">
                 <a:solidFill>
                   <a:srgbClr val="292929"/>
                 </a:solidFill>
@@ -11515,10 +12736,10 @@
                 <a:latin typeface="sohne"/>
                 <a:hlinkClick r:id="rId3"/>
               </a:rPr>
-              <a:t>Complete Architectural Details of all </a:t>
+              <a:t>Keras</a:t>
             </a:r>
             <a:r>
-              <a:rPr lang="en-US" i="0" dirty="0" err="1">
+              <a:rPr lang="en-US" sz="2000" i="0" dirty="0">
                 <a:solidFill>
                   <a:srgbClr val="292929"/>
                 </a:solidFill>
@@ -11526,20 +12747,52 @@
                 <a:latin typeface="sohne"/>
                 <a:hlinkClick r:id="rId3"/>
               </a:rPr>
-              <a:t>EfficientNet</a:t>
+              <a:t> Applications</a:t>
             </a:r>
+            <a:endParaRPr lang="en-US" sz="2000" i="0" dirty="0">
+              <a:solidFill>
+                <a:srgbClr val="292929"/>
+              </a:solidFill>
+              <a:effectLst/>
+              <a:latin typeface="sohne"/>
+              <a:hlinkClick r:id="rId4"/>
+            </a:endParaRPr>
+          </a:p>
+          <a:p>
             <a:r>
-              <a:rPr lang="en-US" i="0" dirty="0">
+              <a:rPr lang="en-US" sz="2000" i="0" dirty="0">
                 <a:solidFill>
                   <a:srgbClr val="292929"/>
                 </a:solidFill>
                 <a:effectLst/>
                 <a:latin typeface="sohne"/>
-                <a:hlinkClick r:id="rId3"/>
+                <a:hlinkClick r:id="rId4"/>
+              </a:rPr>
+              <a:t>Complete Architectural Details of all </a:t>
+            </a:r>
+            <a:r>
+              <a:rPr lang="en-US" sz="2000" i="0" dirty="0" err="1">
+                <a:solidFill>
+                  <a:srgbClr val="292929"/>
+                </a:solidFill>
+                <a:effectLst/>
+                <a:latin typeface="sohne"/>
+                <a:hlinkClick r:id="rId4"/>
+              </a:rPr>
+              <a:t>EfficientNet</a:t>
+            </a:r>
+            <a:r>
+              <a:rPr lang="en-US" sz="2000" i="0" dirty="0">
+                <a:solidFill>
+                  <a:srgbClr val="292929"/>
+                </a:solidFill>
+                <a:effectLst/>
+                <a:latin typeface="sohne"/>
+                <a:hlinkClick r:id="rId4"/>
               </a:rPr>
               <a:t> Models</a:t>
             </a:r>
-            <a:endParaRPr lang="en-US" i="0" dirty="0">
+            <a:endParaRPr lang="en-US" sz="2000" i="0" dirty="0">
               <a:solidFill>
                 <a:srgbClr val="292929"/>
               </a:solidFill>
@@ -11549,17 +12802,90 @@
           </a:p>
           <a:p>
             <a:r>
-              <a:rPr lang="en-US" b="0" i="0" cap="all" dirty="0">
+              <a:rPr lang="en-US" sz="2000" b="0" i="0" cap="all" dirty="0">
                 <a:solidFill>
                   <a:srgbClr val="000000"/>
                 </a:solidFill>
                 <a:effectLst/>
                 <a:latin typeface="Lato" panose="020F0502020204030203" pitchFamily="34" charset="0"/>
-                <a:hlinkClick r:id="rId4"/>
+                <a:hlinkClick r:id="rId5"/>
               </a:rPr>
-              <a:t>VGG-16 | MODELO CNN</a:t>
+              <a:t>VGG-16 | </a:t>
             </a:r>
-            <a:endParaRPr lang="en-US" b="0" i="0" cap="all" dirty="0">
+            <a:r>
+              <a:rPr lang="en-US" sz="2000" b="0" i="0" dirty="0">
+                <a:solidFill>
+                  <a:srgbClr val="000000"/>
+                </a:solidFill>
+                <a:effectLst/>
+                <a:latin typeface="Lato" panose="020F0502020204030203" pitchFamily="34" charset="0"/>
+                <a:hlinkClick r:id="rId5"/>
+              </a:rPr>
+              <a:t>MODELO CNN</a:t>
+            </a:r>
+            <a:endParaRPr lang="en-US" sz="2000" b="0" i="0" dirty="0">
+              <a:solidFill>
+                <a:srgbClr val="000000"/>
+              </a:solidFill>
+              <a:effectLst/>
+              <a:latin typeface="Lato" panose="020F0502020204030203" pitchFamily="34" charset="0"/>
+            </a:endParaRPr>
+          </a:p>
+          <a:p>
+            <a:r>
+              <a:rPr lang="en-US" sz="2000" b="0" i="0" cap="all" dirty="0">
+                <a:solidFill>
+                  <a:srgbClr val="000000"/>
+                </a:solidFill>
+                <a:effectLst/>
+                <a:latin typeface="Lato" panose="020F0502020204030203" pitchFamily="34" charset="0"/>
+                <a:hlinkClick r:id="rId6"/>
+              </a:rPr>
+              <a:t>U</a:t>
+            </a:r>
+            <a:r>
+              <a:rPr lang="en-US" sz="2000" b="0" i="0" dirty="0">
+                <a:solidFill>
+                  <a:srgbClr val="000000"/>
+                </a:solidFill>
+                <a:effectLst/>
+                <a:latin typeface="Lato" panose="020F0502020204030203" pitchFamily="34" charset="0"/>
+                <a:hlinkClick r:id="rId6"/>
+              </a:rPr>
+              <a:t>sing</a:t>
+            </a:r>
+            <a:r>
+              <a:rPr lang="en-US" sz="2000" b="0" i="0" cap="all" dirty="0">
+                <a:solidFill>
+                  <a:srgbClr val="000000"/>
+                </a:solidFill>
+                <a:effectLst/>
+                <a:latin typeface="Lato" panose="020F0502020204030203" pitchFamily="34" charset="0"/>
+                <a:hlinkClick r:id="rId6"/>
+              </a:rPr>
+              <a:t> </a:t>
+            </a:r>
+            <a:r>
+              <a:rPr lang="en-US" sz="2000" b="0" i="0" dirty="0">
+                <a:solidFill>
+                  <a:srgbClr val="000000"/>
+                </a:solidFill>
+                <a:effectLst/>
+                <a:latin typeface="Lato" panose="020F0502020204030203" pitchFamily="34" charset="0"/>
+                <a:hlinkClick r:id="rId6"/>
+              </a:rPr>
+              <a:t>deep q-learning in the classification of an imbalanced dataset</a:t>
+            </a:r>
+            <a:endParaRPr lang="en-US" sz="2000" b="0" i="0" dirty="0">
+              <a:solidFill>
+                <a:srgbClr val="000000"/>
+              </a:solidFill>
+              <a:effectLst/>
+              <a:latin typeface="Lato" panose="020F0502020204030203" pitchFamily="34" charset="0"/>
+            </a:endParaRPr>
+          </a:p>
+          <a:p>
+            <a:endParaRPr lang="en-US" sz="2000" b="0" i="0" cap="all" dirty="0">
               <a:solidFill>
                 <a:srgbClr val="000000"/>
               </a:solidFill>
@@ -11663,7 +12989,9 @@
         </p:nvSpPr>
         <p:spPr/>
         <p:txBody>
-          <a:bodyPr/>
+          <a:bodyPr>
+            <a:normAutofit fontScale="92500" lnSpcReduction="20000"/>
+          </a:bodyPr>
           <a:lstStyle/>
           <a:p>
             <a:r>
@@ -11714,6 +13042,18 @@
             <a:r>
               <a:rPr lang="en-US" dirty="0"/>
               <a:t>Execution Results</a:t>
+            </a:r>
+          </a:p>
+          <a:p>
+            <a:r>
+              <a:rPr lang="en-US" dirty="0"/>
+              <a:t>Reinforcement Learning</a:t>
+            </a:r>
+          </a:p>
+          <a:p>
+            <a:r>
+              <a:rPr lang="en-US" dirty="0"/>
+              <a:t>RL - Execution Results</a:t>
             </a:r>
           </a:p>
           <a:p>
